--- a/analysis/plots/fig4_supp2.pptx
+++ b/analysis/plots/fig4_supp2.pptx
@@ -243,7 +243,7 @@
           <a:p>
             <a:fld id="{7040BE7E-A6FA-F54C-BC9C-F0C55DBA2D7E}" type="datetimeFigureOut">
               <a:rPr lang="en-US" smtClean="0"/>
-              <a:t>7/30/21</a:t>
+              <a:t>8/19/21</a:t>
             </a:fld>
             <a:endParaRPr lang="en-US"/>
           </a:p>
@@ -413,7 +413,7 @@
           <a:p>
             <a:fld id="{7040BE7E-A6FA-F54C-BC9C-F0C55DBA2D7E}" type="datetimeFigureOut">
               <a:rPr lang="en-US" smtClean="0"/>
-              <a:t>7/30/21</a:t>
+              <a:t>8/19/21</a:t>
             </a:fld>
             <a:endParaRPr lang="en-US"/>
           </a:p>
@@ -593,7 +593,7 @@
           <a:p>
             <a:fld id="{7040BE7E-A6FA-F54C-BC9C-F0C55DBA2D7E}" type="datetimeFigureOut">
               <a:rPr lang="en-US" smtClean="0"/>
-              <a:t>7/30/21</a:t>
+              <a:t>8/19/21</a:t>
             </a:fld>
             <a:endParaRPr lang="en-US"/>
           </a:p>
@@ -763,7 +763,7 @@
           <a:p>
             <a:fld id="{7040BE7E-A6FA-F54C-BC9C-F0C55DBA2D7E}" type="datetimeFigureOut">
               <a:rPr lang="en-US" smtClean="0"/>
-              <a:t>7/30/21</a:t>
+              <a:t>8/19/21</a:t>
             </a:fld>
             <a:endParaRPr lang="en-US"/>
           </a:p>
@@ -1009,7 +1009,7 @@
           <a:p>
             <a:fld id="{7040BE7E-A6FA-F54C-BC9C-F0C55DBA2D7E}" type="datetimeFigureOut">
               <a:rPr lang="en-US" smtClean="0"/>
-              <a:t>7/30/21</a:t>
+              <a:t>8/19/21</a:t>
             </a:fld>
             <a:endParaRPr lang="en-US"/>
           </a:p>
@@ -1241,7 +1241,7 @@
           <a:p>
             <a:fld id="{7040BE7E-A6FA-F54C-BC9C-F0C55DBA2D7E}" type="datetimeFigureOut">
               <a:rPr lang="en-US" smtClean="0"/>
-              <a:t>7/30/21</a:t>
+              <a:t>8/19/21</a:t>
             </a:fld>
             <a:endParaRPr lang="en-US"/>
           </a:p>
@@ -1608,7 +1608,7 @@
           <a:p>
             <a:fld id="{7040BE7E-A6FA-F54C-BC9C-F0C55DBA2D7E}" type="datetimeFigureOut">
               <a:rPr lang="en-US" smtClean="0"/>
-              <a:t>7/30/21</a:t>
+              <a:t>8/19/21</a:t>
             </a:fld>
             <a:endParaRPr lang="en-US"/>
           </a:p>
@@ -1726,7 +1726,7 @@
           <a:p>
             <a:fld id="{7040BE7E-A6FA-F54C-BC9C-F0C55DBA2D7E}" type="datetimeFigureOut">
               <a:rPr lang="en-US" smtClean="0"/>
-              <a:t>7/30/21</a:t>
+              <a:t>8/19/21</a:t>
             </a:fld>
             <a:endParaRPr lang="en-US"/>
           </a:p>
@@ -1821,7 +1821,7 @@
           <a:p>
             <a:fld id="{7040BE7E-A6FA-F54C-BC9C-F0C55DBA2D7E}" type="datetimeFigureOut">
               <a:rPr lang="en-US" smtClean="0"/>
-              <a:t>7/30/21</a:t>
+              <a:t>8/19/21</a:t>
             </a:fld>
             <a:endParaRPr lang="en-US"/>
           </a:p>
@@ -2098,7 +2098,7 @@
           <a:p>
             <a:fld id="{7040BE7E-A6FA-F54C-BC9C-F0C55DBA2D7E}" type="datetimeFigureOut">
               <a:rPr lang="en-US" smtClean="0"/>
-              <a:t>7/30/21</a:t>
+              <a:t>8/19/21</a:t>
             </a:fld>
             <a:endParaRPr lang="en-US"/>
           </a:p>
@@ -2355,7 +2355,7 @@
           <a:p>
             <a:fld id="{7040BE7E-A6FA-F54C-BC9C-F0C55DBA2D7E}" type="datetimeFigureOut">
               <a:rPr lang="en-US" smtClean="0"/>
-              <a:t>7/30/21</a:t>
+              <a:t>8/19/21</a:t>
             </a:fld>
             <a:endParaRPr lang="en-US"/>
           </a:p>
@@ -2568,7 +2568,7 @@
           <a:p>
             <a:fld id="{7040BE7E-A6FA-F54C-BC9C-F0C55DBA2D7E}" type="datetimeFigureOut">
               <a:rPr lang="en-US" smtClean="0"/>
-              <a:t>7/30/21</a:t>
+              <a:t>8/19/21</a:t>
             </a:fld>
             <a:endParaRPr lang="en-US"/>
           </a:p>
@@ -2975,10 +2975,10 @@
       </p:grpSpPr>
       <p:pic>
         <p:nvPicPr>
-          <p:cNvPr id="5" name="Picture 4">
+          <p:cNvPr id="13" name="Picture 12">
             <a:extLst>
               <a:ext uri="{FF2B5EF4-FFF2-40B4-BE49-F238E27FC236}">
-                <a16:creationId xmlns:a16="http://schemas.microsoft.com/office/drawing/2014/main" id="{803AC11F-6396-F243-9348-0E3F298722F5}"/>
+                <a16:creationId xmlns:a16="http://schemas.microsoft.com/office/drawing/2014/main" id="{341E1259-BC6F-5C4A-A816-F2149DE15281}"/>
               </a:ext>
             </a:extLst>
           </p:cNvPr>
@@ -2995,8 +2995,8 @@
         </p:blipFill>
         <p:spPr>
           <a:xfrm>
-            <a:off x="0" y="54864"/>
-            <a:ext cx="8826500" cy="5067300"/>
+            <a:off x="0" y="0"/>
+            <a:ext cx="8826500" cy="5041900"/>
           </a:xfrm>
           <a:prstGeom prst="rect">
             <a:avLst/>
@@ -3005,10 +3005,10 @@
       </p:pic>
       <p:pic>
         <p:nvPicPr>
-          <p:cNvPr id="7" name="Picture 6">
+          <p:cNvPr id="21" name="Picture 20">
             <a:extLst>
               <a:ext uri="{FF2B5EF4-FFF2-40B4-BE49-F238E27FC236}">
-                <a16:creationId xmlns:a16="http://schemas.microsoft.com/office/drawing/2014/main" id="{B8D78C15-32CA-F147-8880-8F89FE8AEF80}"/>
+                <a16:creationId xmlns:a16="http://schemas.microsoft.com/office/drawing/2014/main" id="{BA6A91AE-6AEC-0A46-8163-A3DE3CB47943}"/>
               </a:ext>
             </a:extLst>
           </p:cNvPr>
@@ -3025,8 +3025,8 @@
         </p:blipFill>
         <p:spPr>
           <a:xfrm>
-            <a:off x="8965045" y="54864"/>
-            <a:ext cx="8826500" cy="5067300"/>
+            <a:off x="9423400" y="4953000"/>
+            <a:ext cx="8407400" cy="3733800"/>
           </a:xfrm>
           <a:prstGeom prst="rect">
             <a:avLst/>
@@ -3035,10 +3035,10 @@
       </p:pic>
       <p:pic>
         <p:nvPicPr>
-          <p:cNvPr id="3" name="Picture 2">
+          <p:cNvPr id="6" name="Picture 5">
             <a:extLst>
               <a:ext uri="{FF2B5EF4-FFF2-40B4-BE49-F238E27FC236}">
-                <a16:creationId xmlns:a16="http://schemas.microsoft.com/office/drawing/2014/main" id="{41F47AAC-CDC2-9944-A440-6039C1924927}"/>
+                <a16:creationId xmlns:a16="http://schemas.microsoft.com/office/drawing/2014/main" id="{0ADAF9C8-516D-5746-A515-7F0B1A271671}"/>
               </a:ext>
             </a:extLst>
           </p:cNvPr>
@@ -3047,16 +3047,15 @@
           </p:cNvPicPr>
           <p:nvPr/>
         </p:nvPicPr>
-        <p:blipFill>
+        <p:blipFill rotWithShape="1">
           <a:blip r:embed="rId4"/>
-          <a:stretch>
-            <a:fillRect/>
-          </a:stretch>
+          <a:srcRect l="759" b="1763"/>
+          <a:stretch/>
         </p:blipFill>
         <p:spPr>
           <a:xfrm>
-            <a:off x="1" y="5225869"/>
-            <a:ext cx="8985533" cy="3410567"/>
+            <a:off x="8998633" y="0"/>
+            <a:ext cx="8759491" cy="4953000"/>
           </a:xfrm>
           <a:prstGeom prst="rect">
             <a:avLst/>
@@ -3065,10 +3064,10 @@
       </p:pic>
       <p:pic>
         <p:nvPicPr>
-          <p:cNvPr id="4" name="Picture 3">
+          <p:cNvPr id="19" name="Picture 18">
             <a:extLst>
               <a:ext uri="{FF2B5EF4-FFF2-40B4-BE49-F238E27FC236}">
-                <a16:creationId xmlns:a16="http://schemas.microsoft.com/office/drawing/2014/main" id="{2B681698-FAC4-1642-9163-43F8121BAED0}"/>
+                <a16:creationId xmlns:a16="http://schemas.microsoft.com/office/drawing/2014/main" id="{B095D0AA-CB35-0C42-8EC7-A5BB46ABE31C}"/>
               </a:ext>
             </a:extLst>
           </p:cNvPr>
@@ -3077,16 +3076,15 @@
           </p:cNvPicPr>
           <p:nvPr/>
         </p:nvPicPr>
-        <p:blipFill>
+        <p:blipFill rotWithShape="1">
           <a:blip r:embed="rId5"/>
-          <a:stretch>
-            <a:fillRect/>
-          </a:stretch>
+          <a:srcRect t="2112" r="935" b="-1"/>
+          <a:stretch/>
         </p:blipFill>
         <p:spPr>
           <a:xfrm>
-            <a:off x="9124079" y="5122164"/>
-            <a:ext cx="8229739" cy="3407361"/>
+            <a:off x="0" y="4876800"/>
+            <a:ext cx="9423400" cy="3804138"/>
           </a:xfrm>
           <a:prstGeom prst="rect">
             <a:avLst/>

--- a/analysis/plots/fig4_supp2.pptx
+++ b/analysis/plots/fig4_supp2.pptx
@@ -243,7 +243,7 @@
           <a:p>
             <a:fld id="{7040BE7E-A6FA-F54C-BC9C-F0C55DBA2D7E}" type="datetimeFigureOut">
               <a:rPr lang="en-US" smtClean="0"/>
-              <a:t>8/19/21</a:t>
+              <a:t>9/9/21</a:t>
             </a:fld>
             <a:endParaRPr lang="en-US"/>
           </a:p>
@@ -413,7 +413,7 @@
           <a:p>
             <a:fld id="{7040BE7E-A6FA-F54C-BC9C-F0C55DBA2D7E}" type="datetimeFigureOut">
               <a:rPr lang="en-US" smtClean="0"/>
-              <a:t>8/19/21</a:t>
+              <a:t>9/9/21</a:t>
             </a:fld>
             <a:endParaRPr lang="en-US"/>
           </a:p>
@@ -593,7 +593,7 @@
           <a:p>
             <a:fld id="{7040BE7E-A6FA-F54C-BC9C-F0C55DBA2D7E}" type="datetimeFigureOut">
               <a:rPr lang="en-US" smtClean="0"/>
-              <a:t>8/19/21</a:t>
+              <a:t>9/9/21</a:t>
             </a:fld>
             <a:endParaRPr lang="en-US"/>
           </a:p>
@@ -763,7 +763,7 @@
           <a:p>
             <a:fld id="{7040BE7E-A6FA-F54C-BC9C-F0C55DBA2D7E}" type="datetimeFigureOut">
               <a:rPr lang="en-US" smtClean="0"/>
-              <a:t>8/19/21</a:t>
+              <a:t>9/9/21</a:t>
             </a:fld>
             <a:endParaRPr lang="en-US"/>
           </a:p>
@@ -1009,7 +1009,7 @@
           <a:p>
             <a:fld id="{7040BE7E-A6FA-F54C-BC9C-F0C55DBA2D7E}" type="datetimeFigureOut">
               <a:rPr lang="en-US" smtClean="0"/>
-              <a:t>8/19/21</a:t>
+              <a:t>9/9/21</a:t>
             </a:fld>
             <a:endParaRPr lang="en-US"/>
           </a:p>
@@ -1241,7 +1241,7 @@
           <a:p>
             <a:fld id="{7040BE7E-A6FA-F54C-BC9C-F0C55DBA2D7E}" type="datetimeFigureOut">
               <a:rPr lang="en-US" smtClean="0"/>
-              <a:t>8/19/21</a:t>
+              <a:t>9/9/21</a:t>
             </a:fld>
             <a:endParaRPr lang="en-US"/>
           </a:p>
@@ -1608,7 +1608,7 @@
           <a:p>
             <a:fld id="{7040BE7E-A6FA-F54C-BC9C-F0C55DBA2D7E}" type="datetimeFigureOut">
               <a:rPr lang="en-US" smtClean="0"/>
-              <a:t>8/19/21</a:t>
+              <a:t>9/9/21</a:t>
             </a:fld>
             <a:endParaRPr lang="en-US"/>
           </a:p>
@@ -1726,7 +1726,7 @@
           <a:p>
             <a:fld id="{7040BE7E-A6FA-F54C-BC9C-F0C55DBA2D7E}" type="datetimeFigureOut">
               <a:rPr lang="en-US" smtClean="0"/>
-              <a:t>8/19/21</a:t>
+              <a:t>9/9/21</a:t>
             </a:fld>
             <a:endParaRPr lang="en-US"/>
           </a:p>
@@ -1821,7 +1821,7 @@
           <a:p>
             <a:fld id="{7040BE7E-A6FA-F54C-BC9C-F0C55DBA2D7E}" type="datetimeFigureOut">
               <a:rPr lang="en-US" smtClean="0"/>
-              <a:t>8/19/21</a:t>
+              <a:t>9/9/21</a:t>
             </a:fld>
             <a:endParaRPr lang="en-US"/>
           </a:p>
@@ -2098,7 +2098,7 @@
           <a:p>
             <a:fld id="{7040BE7E-A6FA-F54C-BC9C-F0C55DBA2D7E}" type="datetimeFigureOut">
               <a:rPr lang="en-US" smtClean="0"/>
-              <a:t>8/19/21</a:t>
+              <a:t>9/9/21</a:t>
             </a:fld>
             <a:endParaRPr lang="en-US"/>
           </a:p>
@@ -2355,7 +2355,7 @@
           <a:p>
             <a:fld id="{7040BE7E-A6FA-F54C-BC9C-F0C55DBA2D7E}" type="datetimeFigureOut">
               <a:rPr lang="en-US" smtClean="0"/>
-              <a:t>8/19/21</a:t>
+              <a:t>9/9/21</a:t>
             </a:fld>
             <a:endParaRPr lang="en-US"/>
           </a:p>
@@ -2568,7 +2568,7 @@
           <a:p>
             <a:fld id="{7040BE7E-A6FA-F54C-BC9C-F0C55DBA2D7E}" type="datetimeFigureOut">
               <a:rPr lang="en-US" smtClean="0"/>
-              <a:t>8/19/21</a:t>
+              <a:t>9/9/21</a:t>
             </a:fld>
             <a:endParaRPr lang="en-US"/>
           </a:p>
@@ -2975,10 +2975,10 @@
       </p:grpSpPr>
       <p:pic>
         <p:nvPicPr>
-          <p:cNvPr id="13" name="Picture 12">
+          <p:cNvPr id="4" name="Picture 3">
             <a:extLst>
               <a:ext uri="{FF2B5EF4-FFF2-40B4-BE49-F238E27FC236}">
-                <a16:creationId xmlns:a16="http://schemas.microsoft.com/office/drawing/2014/main" id="{341E1259-BC6F-5C4A-A816-F2149DE15281}"/>
+                <a16:creationId xmlns:a16="http://schemas.microsoft.com/office/drawing/2014/main" id="{D7B21055-F1B0-0C40-9B00-78A149B43CF7}"/>
               </a:ext>
             </a:extLst>
           </p:cNvPr>
@@ -2995,8 +2995,8 @@
         </p:blipFill>
         <p:spPr>
           <a:xfrm>
-            <a:off x="0" y="0"/>
-            <a:ext cx="8826500" cy="5041900"/>
+            <a:off x="9354529" y="4965700"/>
+            <a:ext cx="8407400" cy="3721100"/>
           </a:xfrm>
           <a:prstGeom prst="rect">
             <a:avLst/>
@@ -3005,10 +3005,10 @@
       </p:pic>
       <p:pic>
         <p:nvPicPr>
-          <p:cNvPr id="21" name="Picture 20">
+          <p:cNvPr id="3" name="Picture 2">
             <a:extLst>
               <a:ext uri="{FF2B5EF4-FFF2-40B4-BE49-F238E27FC236}">
-                <a16:creationId xmlns:a16="http://schemas.microsoft.com/office/drawing/2014/main" id="{BA6A91AE-6AEC-0A46-8163-A3DE3CB47943}"/>
+                <a16:creationId xmlns:a16="http://schemas.microsoft.com/office/drawing/2014/main" id="{73D042D9-1CFE-CF40-AD71-FCE6C5E9FD34}"/>
               </a:ext>
             </a:extLst>
           </p:cNvPr>
@@ -3025,37 +3025,8 @@
         </p:blipFill>
         <p:spPr>
           <a:xfrm>
-            <a:off x="9423400" y="4953000"/>
-            <a:ext cx="8407400" cy="3733800"/>
-          </a:xfrm>
-          <a:prstGeom prst="rect">
-            <a:avLst/>
-          </a:prstGeom>
-        </p:spPr>
-      </p:pic>
-      <p:pic>
-        <p:nvPicPr>
-          <p:cNvPr id="6" name="Picture 5">
-            <a:extLst>
-              <a:ext uri="{FF2B5EF4-FFF2-40B4-BE49-F238E27FC236}">
-                <a16:creationId xmlns:a16="http://schemas.microsoft.com/office/drawing/2014/main" id="{0ADAF9C8-516D-5746-A515-7F0B1A271671}"/>
-              </a:ext>
-            </a:extLst>
-          </p:cNvPr>
-          <p:cNvPicPr>
-            <a:picLocks noChangeAspect="1"/>
-          </p:cNvPicPr>
-          <p:nvPr/>
-        </p:nvPicPr>
-        <p:blipFill rotWithShape="1">
-          <a:blip r:embed="rId4"/>
-          <a:srcRect l="759" b="1763"/>
-          <a:stretch/>
-        </p:blipFill>
-        <p:spPr>
-          <a:xfrm>
-            <a:off x="8998633" y="0"/>
-            <a:ext cx="8759491" cy="4953000"/>
+            <a:off x="9004300" y="0"/>
+            <a:ext cx="8826500" cy="5041900"/>
           </a:xfrm>
           <a:prstGeom prst="rect">
             <a:avLst/>
@@ -3077,7 +3048,7 @@
           <p:nvPr/>
         </p:nvPicPr>
         <p:blipFill rotWithShape="1">
-          <a:blip r:embed="rId5"/>
+          <a:blip r:embed="rId4"/>
           <a:srcRect t="2112" r="935" b="-1"/>
           <a:stretch/>
         </p:blipFill>
@@ -3085,6 +3056,36 @@
           <a:xfrm>
             <a:off x="0" y="4876800"/>
             <a:ext cx="9423400" cy="3804138"/>
+          </a:xfrm>
+          <a:prstGeom prst="rect">
+            <a:avLst/>
+          </a:prstGeom>
+        </p:spPr>
+      </p:pic>
+      <p:pic>
+        <p:nvPicPr>
+          <p:cNvPr id="13" name="Picture 12">
+            <a:extLst>
+              <a:ext uri="{FF2B5EF4-FFF2-40B4-BE49-F238E27FC236}">
+                <a16:creationId xmlns:a16="http://schemas.microsoft.com/office/drawing/2014/main" id="{341E1259-BC6F-5C4A-A816-F2149DE15281}"/>
+              </a:ext>
+            </a:extLst>
+          </p:cNvPr>
+          <p:cNvPicPr>
+            <a:picLocks noChangeAspect="1"/>
+          </p:cNvPicPr>
+          <p:nvPr/>
+        </p:nvPicPr>
+        <p:blipFill>
+          <a:blip r:embed="rId5"/>
+          <a:stretch>
+            <a:fillRect/>
+          </a:stretch>
+        </p:blipFill>
+        <p:spPr>
+          <a:xfrm>
+            <a:off x="0" y="0"/>
+            <a:ext cx="8826500" cy="5041900"/>
           </a:xfrm>
           <a:prstGeom prst="rect">
             <a:avLst/>
